--- a/htcondor.pptx
+++ b/htcondor.pptx
@@ -309,7 +309,7 @@
           <a:p>
             <a:fld id="{16B7E75D-EA80-4177-8B75-F0187A424C1B}" type="datetimeFigureOut">
               <a:rPr lang="en-US" smtClean="0"/>
-              <a:t>2016-03-09</a:t>
+              <a:t>2016-03-10</a:t>
             </a:fld>
             <a:endParaRPr lang="en-US"/>
           </a:p>
@@ -479,7 +479,7 @@
           <a:p>
             <a:fld id="{16B7E75D-EA80-4177-8B75-F0187A424C1B}" type="datetimeFigureOut">
               <a:rPr lang="en-US" smtClean="0"/>
-              <a:t>2016-03-09</a:t>
+              <a:t>2016-03-10</a:t>
             </a:fld>
             <a:endParaRPr lang="en-US"/>
           </a:p>
@@ -659,7 +659,7 @@
           <a:p>
             <a:fld id="{16B7E75D-EA80-4177-8B75-F0187A424C1B}" type="datetimeFigureOut">
               <a:rPr lang="en-US" smtClean="0"/>
-              <a:t>2016-03-09</a:t>
+              <a:t>2016-03-10</a:t>
             </a:fld>
             <a:endParaRPr lang="en-US"/>
           </a:p>
@@ -829,7 +829,7 @@
           <a:p>
             <a:fld id="{16B7E75D-EA80-4177-8B75-F0187A424C1B}" type="datetimeFigureOut">
               <a:rPr lang="en-US" smtClean="0"/>
-              <a:t>2016-03-09</a:t>
+              <a:t>2016-03-10</a:t>
             </a:fld>
             <a:endParaRPr lang="en-US"/>
           </a:p>
@@ -1075,7 +1075,7 @@
           <a:p>
             <a:fld id="{16B7E75D-EA80-4177-8B75-F0187A424C1B}" type="datetimeFigureOut">
               <a:rPr lang="en-US" smtClean="0"/>
-              <a:t>2016-03-09</a:t>
+              <a:t>2016-03-10</a:t>
             </a:fld>
             <a:endParaRPr lang="en-US"/>
           </a:p>
@@ -1363,7 +1363,7 @@
           <a:p>
             <a:fld id="{16B7E75D-EA80-4177-8B75-F0187A424C1B}" type="datetimeFigureOut">
               <a:rPr lang="en-US" smtClean="0"/>
-              <a:t>2016-03-09</a:t>
+              <a:t>2016-03-10</a:t>
             </a:fld>
             <a:endParaRPr lang="en-US"/>
           </a:p>
@@ -1785,7 +1785,7 @@
           <a:p>
             <a:fld id="{16B7E75D-EA80-4177-8B75-F0187A424C1B}" type="datetimeFigureOut">
               <a:rPr lang="en-US" smtClean="0"/>
-              <a:t>2016-03-09</a:t>
+              <a:t>2016-03-10</a:t>
             </a:fld>
             <a:endParaRPr lang="en-US"/>
           </a:p>
@@ -1903,7 +1903,7 @@
           <a:p>
             <a:fld id="{16B7E75D-EA80-4177-8B75-F0187A424C1B}" type="datetimeFigureOut">
               <a:rPr lang="en-US" smtClean="0"/>
-              <a:t>2016-03-09</a:t>
+              <a:t>2016-03-10</a:t>
             </a:fld>
             <a:endParaRPr lang="en-US"/>
           </a:p>
@@ -1998,7 +1998,7 @@
           <a:p>
             <a:fld id="{16B7E75D-EA80-4177-8B75-F0187A424C1B}" type="datetimeFigureOut">
               <a:rPr lang="en-US" smtClean="0"/>
-              <a:t>2016-03-09</a:t>
+              <a:t>2016-03-10</a:t>
             </a:fld>
             <a:endParaRPr lang="en-US"/>
           </a:p>
@@ -2275,7 +2275,7 @@
           <a:p>
             <a:fld id="{16B7E75D-EA80-4177-8B75-F0187A424C1B}" type="datetimeFigureOut">
               <a:rPr lang="en-US" smtClean="0"/>
-              <a:t>2016-03-09</a:t>
+              <a:t>2016-03-10</a:t>
             </a:fld>
             <a:endParaRPr lang="en-US"/>
           </a:p>
@@ -2528,7 +2528,7 @@
           <a:p>
             <a:fld id="{16B7E75D-EA80-4177-8B75-F0187A424C1B}" type="datetimeFigureOut">
               <a:rPr lang="en-US" smtClean="0"/>
-              <a:t>2016-03-09</a:t>
+              <a:t>2016-03-10</a:t>
             </a:fld>
             <a:endParaRPr lang="en-US"/>
           </a:p>
@@ -2741,7 +2741,7 @@
           <a:p>
             <a:fld id="{16B7E75D-EA80-4177-8B75-F0187A424C1B}" type="datetimeFigureOut">
               <a:rPr lang="en-US" smtClean="0"/>
-              <a:t>2016-03-09</a:t>
+              <a:t>2016-03-10</a:t>
             </a:fld>
             <a:endParaRPr lang="en-US"/>
           </a:p>
@@ -3234,15 +3234,7 @@
                   <a:schemeClr val="tx1"/>
                 </a:solidFill>
               </a:rPr>
-              <a:t>Luke </a:t>
-            </a:r>
-            <a:r>
-              <a:rPr lang="en-US" dirty="0" smtClean="0">
-                <a:solidFill>
-                  <a:schemeClr val="tx1"/>
-                </a:solidFill>
-              </a:rPr>
-              <a:t>Winslow</a:t>
+              <a:t>Luke Winslow</a:t>
             </a:r>
           </a:p>
           <a:p>
@@ -3254,11 +3246,6 @@
               </a:rPr>
               <a:t>OWI a-la-carte</a:t>
             </a:r>
-            <a:endParaRPr lang="en-US" dirty="0" smtClean="0">
-              <a:solidFill>
-                <a:schemeClr val="tx1"/>
-              </a:solidFill>
-            </a:endParaRPr>
           </a:p>
         </p:txBody>
       </p:sp>
@@ -3557,11 +3544,7 @@
             <a:pPr lvl="1"/>
             <a:r>
               <a:rPr lang="en-US" dirty="0" smtClean="0"/>
-              <a:t>Computer Labs are </a:t>
-            </a:r>
-            <a:r>
-              <a:rPr lang="en-US" dirty="0" smtClean="0"/>
-              <a:t>perfect</a:t>
+              <a:t>Computer Labs are perfect</a:t>
             </a:r>
           </a:p>
           <a:p>
@@ -3569,7 +3552,6 @@
               <a:rPr lang="en-US" dirty="0" smtClean="0"/>
               <a:t>A lot of dedicated clusters exist</a:t>
             </a:r>
-            <a:endParaRPr lang="en-US" dirty="0" smtClean="0"/>
           </a:p>
           <a:p>
             <a:endParaRPr lang="en-US" dirty="0" smtClean="0"/>
@@ -5318,47 +5300,6 @@
           <a:chExt cx="0" cy="0"/>
         </a:xfrm>
       </p:grpSpPr>
-      <p:pic>
-        <p:nvPicPr>
-          <p:cNvPr id="7170" name="Picture 2" descr="http://nuwen.net/img/image/p4ht_orig.png"/>
-          <p:cNvPicPr>
-            <a:picLocks noChangeAspect="1" noChangeArrowheads="1"/>
-          </p:cNvPicPr>
-          <p:nvPr/>
-        </p:nvPicPr>
-        <p:blipFill>
-          <a:blip r:embed="rId2" cstate="print">
-            <a:extLst>
-              <a:ext uri="{28A0092B-C50C-407E-A947-70E740481C1C}">
-                <a14:useLocalDpi xmlns:a14="http://schemas.microsoft.com/office/drawing/2010/main" val="0"/>
-              </a:ext>
-            </a:extLst>
-          </a:blip>
-          <a:srcRect/>
-          <a:stretch>
-            <a:fillRect/>
-          </a:stretch>
-        </p:blipFill>
-        <p:spPr bwMode="auto">
-          <a:xfrm>
-            <a:off x="228600" y="2362199"/>
-            <a:ext cx="1688201" cy="2096439"/>
-          </a:xfrm>
-          <a:prstGeom prst="rect">
-            <a:avLst/>
-          </a:prstGeom>
-          <a:noFill/>
-          <a:extLst>
-            <a:ext uri="{909E8E84-426E-40DD-AFC4-6F175D3DCCD1}">
-              <a14:hiddenFill xmlns:a14="http://schemas.microsoft.com/office/drawing/2010/main">
-                <a:solidFill>
-                  <a:srgbClr val="FFFFFF"/>
-                </a:solidFill>
-              </a14:hiddenFill>
-            </a:ext>
-          </a:extLst>
-        </p:spPr>
-      </p:pic>
       <p:sp>
         <p:nvSpPr>
           <p:cNvPr id="2" name="Title 1"/>
@@ -5374,7 +5315,11 @@
           <a:bodyPr/>
           <a:lstStyle/>
           <a:p>
-            <a:endParaRPr lang="en-US"/>
+            <a:r>
+              <a:rPr lang="en-US" dirty="0" smtClean="0"/>
+              <a:t>Further information</a:t>
+            </a:r>
+            <a:endParaRPr lang="en-US" dirty="0"/>
           </a:p>
         </p:txBody>
       </p:sp>
@@ -5385,160 +5330,77 @@
             <a:spLocks noGrp="1"/>
           </p:cNvSpPr>
           <p:nvPr>
-            <p:ph sz="half" idx="1"/>
-          </p:nvPr>
-        </p:nvSpPr>
-        <p:spPr/>
-        <p:txBody>
-          <a:bodyPr/>
-          <a:lstStyle/>
-          <a:p>
+            <p:ph idx="1"/>
+          </p:nvPr>
+        </p:nvSpPr>
+        <p:spPr/>
+        <p:txBody>
+          <a:bodyPr/>
+          <a:lstStyle/>
+          <a:p>
+            <a:r>
+              <a:rPr lang="en-US" dirty="0" smtClean="0"/>
+              <a:t>Some working examples</a:t>
+            </a:r>
+          </a:p>
+          <a:p>
+            <a:pPr lvl="1"/>
+            <a:r>
+              <a:rPr lang="en-US" dirty="0">
+                <a:hlinkClick r:id="rId2"/>
+              </a:rPr>
+              <a:t>https://</a:t>
+            </a:r>
+            <a:r>
+              <a:rPr lang="en-US" dirty="0" smtClean="0">
+                <a:hlinkClick r:id="rId2"/>
+              </a:rPr>
+              <a:t>github.com/USGS-OWI/condor-examples</a:t>
+            </a:r>
+            <a:endParaRPr lang="en-US" dirty="0" smtClean="0"/>
+          </a:p>
+          <a:p>
+            <a:r>
+              <a:rPr lang="en-US" dirty="0" err="1" smtClean="0"/>
+              <a:t>HTCondor</a:t>
+            </a:r>
+            <a:r>
+              <a:rPr lang="en-US" dirty="0" smtClean="0"/>
+              <a:t> Help</a:t>
+            </a:r>
+          </a:p>
+          <a:p>
+            <a:pPr lvl="1"/>
+            <a:r>
+              <a:rPr lang="en-US" dirty="0">
+                <a:hlinkClick r:id="rId3"/>
+              </a:rPr>
+              <a:t>https://research.cs.wisc.edu/htcondor</a:t>
+            </a:r>
+            <a:r>
+              <a:rPr lang="en-US" dirty="0" smtClean="0">
+                <a:hlinkClick r:id="rId3"/>
+              </a:rPr>
+              <a:t>/</a:t>
+            </a:r>
+            <a:endParaRPr lang="en-US" dirty="0" smtClean="0"/>
+          </a:p>
+          <a:p>
+            <a:r>
+              <a:rPr lang="en-US" dirty="0" smtClean="0"/>
+              <a:t>Feel free to contact us</a:t>
+            </a:r>
+          </a:p>
+          <a:p>
+            <a:pPr lvl="1"/>
+            <a:r>
+              <a:rPr lang="en-US"/>
+              <a:t>ldecicco@usgs.gov</a:t>
+            </a:r>
             <a:endParaRPr lang="en-US" dirty="0"/>
           </a:p>
         </p:txBody>
       </p:sp>
-      <p:sp>
-        <p:nvSpPr>
-          <p:cNvPr id="4" name="Content Placeholder 3"/>
-          <p:cNvSpPr>
-            <a:spLocks noGrp="1"/>
-          </p:cNvSpPr>
-          <p:nvPr>
-            <p:ph sz="half" idx="2"/>
-          </p:nvPr>
-        </p:nvSpPr>
-        <p:spPr/>
-        <p:txBody>
-          <a:bodyPr/>
-          <a:lstStyle/>
-          <a:p>
-            <a:endParaRPr lang="en-US"/>
-          </a:p>
-        </p:txBody>
-      </p:sp>
-      <p:pic>
-        <p:nvPicPr>
-          <p:cNvPr id="5" name="Picture 8" descr="http://2.bp.blogspot.com/-25T30uQc4Os/TZrGbfIyZfI/AAAAAAAAAAM/PUw0PqvZd04/s1600/intel-dual-core.jpg"/>
-          <p:cNvPicPr>
-            <a:picLocks noChangeAspect="1" noChangeArrowheads="1"/>
-          </p:cNvPicPr>
-          <p:nvPr/>
-        </p:nvPicPr>
-        <p:blipFill>
-          <a:blip r:embed="rId3">
-            <a:extLst>
-              <a:ext uri="{28A0092B-C50C-407E-A947-70E740481C1C}">
-                <a14:useLocalDpi xmlns:a14="http://schemas.microsoft.com/office/drawing/2010/main" val="0"/>
-              </a:ext>
-            </a:extLst>
-          </a:blip>
-          <a:srcRect/>
-          <a:stretch>
-            <a:fillRect/>
-          </a:stretch>
-        </p:blipFill>
-        <p:spPr bwMode="auto">
-          <a:xfrm>
-            <a:off x="1667180" y="1524000"/>
-            <a:ext cx="2820627" cy="3489435"/>
-          </a:xfrm>
-          <a:prstGeom prst="rect">
-            <a:avLst/>
-          </a:prstGeom>
-          <a:noFill/>
-          <a:extLst>
-            <a:ext uri="{909E8E84-426E-40DD-AFC4-6F175D3DCCD1}">
-              <a14:hiddenFill xmlns:a14="http://schemas.microsoft.com/office/drawing/2010/main">
-                <a:solidFill>
-                  <a:srgbClr val="FFFFFF"/>
-                </a:solidFill>
-              </a14:hiddenFill>
-            </a:ext>
-          </a:extLst>
-        </p:spPr>
-      </p:pic>
-      <p:pic>
-        <p:nvPicPr>
-          <p:cNvPr id="6" name="Picture 10" descr="http://www.hostifex.com/contentroot/controlset/images/logos-sistemas/intel-quad-core-logo.jpg"/>
-          <p:cNvPicPr>
-            <a:picLocks noChangeAspect="1" noChangeArrowheads="1"/>
-          </p:cNvPicPr>
-          <p:nvPr/>
-        </p:nvPicPr>
-        <p:blipFill>
-          <a:blip r:embed="rId4">
-            <a:extLst>
-              <a:ext uri="{28A0092B-C50C-407E-A947-70E740481C1C}">
-                <a14:useLocalDpi xmlns:a14="http://schemas.microsoft.com/office/drawing/2010/main" val="0"/>
-              </a:ext>
-            </a:extLst>
-          </a:blip>
-          <a:srcRect/>
-          <a:stretch>
-            <a:fillRect/>
-          </a:stretch>
-        </p:blipFill>
-        <p:spPr bwMode="auto">
-          <a:xfrm>
-            <a:off x="3352800" y="835588"/>
-            <a:ext cx="3695017" cy="4572000"/>
-          </a:xfrm>
-          <a:prstGeom prst="rect">
-            <a:avLst/>
-          </a:prstGeom>
-          <a:noFill/>
-          <a:extLst>
-            <a:ext uri="{909E8E84-426E-40DD-AFC4-6F175D3DCCD1}">
-              <a14:hiddenFill xmlns:a14="http://schemas.microsoft.com/office/drawing/2010/main">
-                <a:solidFill>
-                  <a:srgbClr val="FFFFFF"/>
-                </a:solidFill>
-              </a14:hiddenFill>
-            </a:ext>
-          </a:extLst>
-        </p:spPr>
-      </p:pic>
-      <p:pic>
-        <p:nvPicPr>
-          <p:cNvPr id="7" name="Picture 12" descr="http://t3.gstatic.com/images?q=tbn:ANd9GcQF4_PQuOEfS1fdos87jGafeAzzlWEfrVCPKitcbWKprRIxJCJc_CwrU8cc"/>
-          <p:cNvPicPr>
-            <a:picLocks noChangeAspect="1" noChangeArrowheads="1"/>
-          </p:cNvPicPr>
-          <p:nvPr/>
-        </p:nvPicPr>
-        <p:blipFill>
-          <a:blip r:embed="rId5">
-            <a:extLst>
-              <a:ext uri="{28A0092B-C50C-407E-A947-70E740481C1C}">
-                <a14:useLocalDpi xmlns:a14="http://schemas.microsoft.com/office/drawing/2010/main" val="0"/>
-              </a:ext>
-            </a:extLst>
-          </a:blip>
-          <a:srcRect/>
-          <a:stretch>
-            <a:fillRect/>
-          </a:stretch>
-        </p:blipFill>
-        <p:spPr bwMode="auto">
-          <a:xfrm>
-            <a:off x="5605955" y="2085644"/>
-            <a:ext cx="3538045" cy="2050868"/>
-          </a:xfrm>
-          <a:prstGeom prst="rect">
-            <a:avLst/>
-          </a:prstGeom>
-          <a:noFill/>
-          <a:extLst>
-            <a:ext uri="{909E8E84-426E-40DD-AFC4-6F175D3DCCD1}">
-              <a14:hiddenFill xmlns:a14="http://schemas.microsoft.com/office/drawing/2010/main">
-                <a:solidFill>
-                  <a:srgbClr val="FFFFFF"/>
-                </a:solidFill>
-              </a14:hiddenFill>
-            </a:ext>
-          </a:extLst>
-        </p:spPr>
-      </p:pic>
     </p:spTree>
     <p:extLst>
       <p:ext uri="{BB962C8B-B14F-4D97-AF65-F5344CB8AC3E}">
@@ -6404,11 +6266,7 @@
           <a:p>
             <a:r>
               <a:rPr lang="en-US" dirty="0" smtClean="0"/>
-              <a:t>Dealing with Large </a:t>
-            </a:r>
-            <a:r>
-              <a:rPr lang="en-US" dirty="0" smtClean="0"/>
-              <a:t>Datasets</a:t>
+              <a:t>Dealing with Large Datasets</a:t>
             </a:r>
             <a:endParaRPr lang="en-US" dirty="0"/>
           </a:p>

--- a/htcondor.pptx
+++ b/htcondor.pptx
@@ -5394,9 +5394,25 @@
           <a:p>
             <a:pPr lvl="1"/>
             <a:r>
-              <a:rPr lang="en-US"/>
+              <a:rPr lang="en-US" dirty="0" smtClean="0">
+                <a:hlinkClick r:id="rId4"/>
+              </a:rPr>
               <a:t>ldecicco@usgs.gov</a:t>
             </a:r>
+            <a:endParaRPr lang="en-US" dirty="0" smtClean="0"/>
+          </a:p>
+          <a:p>
+            <a:pPr lvl="1"/>
+            <a:r>
+              <a:rPr lang="en-US" dirty="0" smtClean="0">
+                <a:hlinkClick r:id="rId5"/>
+              </a:rPr>
+              <a:t>lwinslow@usgs.gov</a:t>
+            </a:r>
+            <a:endParaRPr lang="en-US" dirty="0" smtClean="0"/>
+          </a:p>
+          <a:p>
+            <a:pPr lvl="1"/>
             <a:endParaRPr lang="en-US" dirty="0"/>
           </a:p>
         </p:txBody>
@@ -5414,9 +5430,84 @@
   <p:timing>
     <p:tnLst>
       <p:par>
-        <p:cTn id="1" dur="indefinite" restart="never" nodeType="tmRoot"/>
+        <p:cTn id="1" dur="indefinite" restart="never" nodeType="tmRoot">
+          <p:childTnLst>
+            <p:seq concurrent="1" nextAc="seek">
+              <p:cTn id="2" dur="indefinite" nodeType="mainSeq">
+                <p:childTnLst>
+                  <p:par>
+                    <p:cTn id="3" fill="hold">
+                      <p:stCondLst>
+                        <p:cond delay="indefinite"/>
+                      </p:stCondLst>
+                      <p:childTnLst>
+                        <p:par>
+                          <p:cTn id="4" fill="hold">
+                            <p:stCondLst>
+                              <p:cond delay="0"/>
+                            </p:stCondLst>
+                            <p:childTnLst>
+                              <p:par>
+                                <p:cTn id="5" presetID="1" presetClass="entr" presetSubtype="0" fill="hold" grpId="0" nodeType="clickEffect">
+                                  <p:stCondLst>
+                                    <p:cond delay="0"/>
+                                  </p:stCondLst>
+                                  <p:childTnLst>
+                                    <p:set>
+                                      <p:cBhvr>
+                                        <p:cTn id="6" dur="1" fill="hold">
+                                          <p:stCondLst>
+                                            <p:cond delay="0"/>
+                                          </p:stCondLst>
+                                        </p:cTn>
+                                        <p:tgtEl>
+                                          <p:spTgt spid="3">
+                                            <p:txEl>
+                                              <p:pRg st="6" end="6"/>
+                                            </p:txEl>
+                                          </p:spTgt>
+                                        </p:tgtEl>
+                                        <p:attrNameLst>
+                                          <p:attrName>style.visibility</p:attrName>
+                                        </p:attrNameLst>
+                                      </p:cBhvr>
+                                      <p:to>
+                                        <p:strVal val="visible"/>
+                                      </p:to>
+                                    </p:set>
+                                  </p:childTnLst>
+                                </p:cTn>
+                              </p:par>
+                            </p:childTnLst>
+                          </p:cTn>
+                        </p:par>
+                      </p:childTnLst>
+                    </p:cTn>
+                  </p:par>
+                </p:childTnLst>
+              </p:cTn>
+              <p:prevCondLst>
+                <p:cond evt="onPrev" delay="0">
+                  <p:tgtEl>
+                    <p:sldTgt/>
+                  </p:tgtEl>
+                </p:cond>
+              </p:prevCondLst>
+              <p:nextCondLst>
+                <p:cond evt="onNext" delay="0">
+                  <p:tgtEl>
+                    <p:sldTgt/>
+                  </p:tgtEl>
+                </p:cond>
+              </p:nextCondLst>
+            </p:seq>
+          </p:childTnLst>
+        </p:cTn>
       </p:par>
     </p:tnLst>
+    <p:bldLst>
+      <p:bldP spid="3" grpId="0" uiExpand="1" build="p"/>
+    </p:bldLst>
   </p:timing>
 </p:sld>
 </file>
